--- a/Game/Project/images/maps/maps.pptx
+++ b/Game/Project/images/maps/maps.pptx
@@ -289,7 +289,7 @@
           <a:p>
             <a:fld id="{B4C71EC6-210F-42DE-9C53-41977AD35B3D}" type="datetimeFigureOut">
               <a:rPr lang="ru-RU" smtClean="0"/>
-              <a:t>06.03.2018</a:t>
+              <a:t>26.03.2018</a:t>
             </a:fld>
             <a:endParaRPr lang="ru-RU"/>
           </a:p>
@@ -454,7 +454,7 @@
           <a:p>
             <a:fld id="{B4C71EC6-210F-42DE-9C53-41977AD35B3D}" type="datetimeFigureOut">
               <a:rPr lang="ru-RU" smtClean="0"/>
-              <a:t>06.03.2018</a:t>
+              <a:t>26.03.2018</a:t>
             </a:fld>
             <a:endParaRPr lang="ru-RU"/>
           </a:p>
@@ -629,7 +629,7 @@
           <a:p>
             <a:fld id="{B4C71EC6-210F-42DE-9C53-41977AD35B3D}" type="datetimeFigureOut">
               <a:rPr lang="ru-RU" smtClean="0"/>
-              <a:t>06.03.2018</a:t>
+              <a:t>26.03.2018</a:t>
             </a:fld>
             <a:endParaRPr lang="ru-RU"/>
           </a:p>
@@ -794,7 +794,7 @@
           <a:p>
             <a:fld id="{B4C71EC6-210F-42DE-9C53-41977AD35B3D}" type="datetimeFigureOut">
               <a:rPr lang="ru-RU" smtClean="0"/>
-              <a:t>06.03.2018</a:t>
+              <a:t>26.03.2018</a:t>
             </a:fld>
             <a:endParaRPr lang="ru-RU"/>
           </a:p>
@@ -1035,7 +1035,7 @@
           <a:p>
             <a:fld id="{B4C71EC6-210F-42DE-9C53-41977AD35B3D}" type="datetimeFigureOut">
               <a:rPr lang="ru-RU" smtClean="0"/>
-              <a:t>06.03.2018</a:t>
+              <a:t>26.03.2018</a:t>
             </a:fld>
             <a:endParaRPr lang="ru-RU"/>
           </a:p>
@@ -1318,7 +1318,7 @@
           <a:p>
             <a:fld id="{B4C71EC6-210F-42DE-9C53-41977AD35B3D}" type="datetimeFigureOut">
               <a:rPr lang="ru-RU" smtClean="0"/>
-              <a:t>06.03.2018</a:t>
+              <a:t>26.03.2018</a:t>
             </a:fld>
             <a:endParaRPr lang="ru-RU"/>
           </a:p>
@@ -1735,7 +1735,7 @@
           <a:p>
             <a:fld id="{B4C71EC6-210F-42DE-9C53-41977AD35B3D}" type="datetimeFigureOut">
               <a:rPr lang="ru-RU" smtClean="0"/>
-              <a:t>06.03.2018</a:t>
+              <a:t>26.03.2018</a:t>
             </a:fld>
             <a:endParaRPr lang="ru-RU"/>
           </a:p>
@@ -1848,7 +1848,7 @@
           <a:p>
             <a:fld id="{B4C71EC6-210F-42DE-9C53-41977AD35B3D}" type="datetimeFigureOut">
               <a:rPr lang="ru-RU" smtClean="0"/>
-              <a:t>06.03.2018</a:t>
+              <a:t>26.03.2018</a:t>
             </a:fld>
             <a:endParaRPr lang="ru-RU"/>
           </a:p>
@@ -1938,7 +1938,7 @@
           <a:p>
             <a:fld id="{B4C71EC6-210F-42DE-9C53-41977AD35B3D}" type="datetimeFigureOut">
               <a:rPr lang="ru-RU" smtClean="0"/>
-              <a:t>06.03.2018</a:t>
+              <a:t>26.03.2018</a:t>
             </a:fld>
             <a:endParaRPr lang="ru-RU"/>
           </a:p>
@@ -2210,7 +2210,7 @@
           <a:p>
             <a:fld id="{B4C71EC6-210F-42DE-9C53-41977AD35B3D}" type="datetimeFigureOut">
               <a:rPr lang="ru-RU" smtClean="0"/>
-              <a:t>06.03.2018</a:t>
+              <a:t>26.03.2018</a:t>
             </a:fld>
             <a:endParaRPr lang="ru-RU"/>
           </a:p>
@@ -2458,7 +2458,7 @@
           <a:p>
             <a:fld id="{B4C71EC6-210F-42DE-9C53-41977AD35B3D}" type="datetimeFigureOut">
               <a:rPr lang="ru-RU" smtClean="0"/>
-              <a:t>06.03.2018</a:t>
+              <a:t>26.03.2018</a:t>
             </a:fld>
             <a:endParaRPr lang="ru-RU"/>
           </a:p>
@@ -2666,7 +2666,7 @@
           <a:p>
             <a:fld id="{B4C71EC6-210F-42DE-9C53-41977AD35B3D}" type="datetimeFigureOut">
               <a:rPr lang="ru-RU" smtClean="0"/>
-              <a:t>06.03.2018</a:t>
+              <a:t>26.03.2018</a:t>
             </a:fld>
             <a:endParaRPr lang="ru-RU"/>
           </a:p>
@@ -3861,6 +3861,134 @@
           </a:p>
         </p:txBody>
       </p:sp>
+      <p:pic>
+        <p:nvPicPr>
+          <p:cNvPr id="2" name="Picture 2"/>
+          <p:cNvPicPr>
+            <a:picLocks noChangeAspect="1" noChangeArrowheads="1"/>
+          </p:cNvPicPr>
+          <p:nvPr/>
+        </p:nvPicPr>
+        <p:blipFill>
+          <a:blip r:embed="rId3" cstate="print">
+            <a:extLst>
+              <a:ext uri="{28A0092B-C50C-407E-A947-70E740481C1C}">
+                <a14:useLocalDpi xmlns:a14="http://schemas.microsoft.com/office/drawing/2010/main" val="0"/>
+              </a:ext>
+            </a:extLst>
+          </a:blip>
+          <a:srcRect/>
+          <a:stretch>
+            <a:fillRect/>
+          </a:stretch>
+        </p:blipFill>
+        <p:spPr bwMode="auto">
+          <a:xfrm>
+            <a:off x="3491880" y="1784125"/>
+            <a:ext cx="3197225" cy="3193047"/>
+          </a:xfrm>
+          <a:prstGeom prst="rect">
+            <a:avLst/>
+          </a:prstGeom>
+          <a:noFill/>
+          <a:ln>
+            <a:noFill/>
+          </a:ln>
+          <a:effectLst/>
+          <a:extLst>
+            <a:ext uri="{909E8E84-426E-40DD-AFC4-6F175D3DCCD1}">
+              <a14:hiddenFill xmlns:a14="http://schemas.microsoft.com/office/drawing/2010/main">
+                <a:solidFill>
+                  <a:schemeClr val="accent1"/>
+                </a:solidFill>
+              </a14:hiddenFill>
+            </a:ext>
+            <a:ext uri="{91240B29-F687-4F45-9708-019B960494DF}">
+              <a14:hiddenLine xmlns:a14="http://schemas.microsoft.com/office/drawing/2010/main" w="9525">
+                <a:solidFill>
+                  <a:schemeClr val="tx1"/>
+                </a:solidFill>
+                <a:miter lim="800000"/>
+                <a:headEnd/>
+                <a:tailEnd/>
+              </a14:hiddenLine>
+            </a:ext>
+            <a:ext uri="{AF507438-7753-43E0-B8FC-AC1667EBCBE1}">
+              <a14:hiddenEffects xmlns:a14="http://schemas.microsoft.com/office/drawing/2010/main">
+                <a:effectLst>
+                  <a:outerShdw dist="35921" dir="2700000" algn="ctr" rotWithShape="0">
+                    <a:schemeClr val="bg2"/>
+                  </a:outerShdw>
+                </a:effectLst>
+              </a14:hiddenEffects>
+            </a:ext>
+          </a:extLst>
+        </p:spPr>
+      </p:pic>
+      <p:pic>
+        <p:nvPicPr>
+          <p:cNvPr id="1027" name="Picture 3"/>
+          <p:cNvPicPr>
+            <a:picLocks noChangeAspect="1" noChangeArrowheads="1"/>
+          </p:cNvPicPr>
+          <p:nvPr/>
+        </p:nvPicPr>
+        <p:blipFill>
+          <a:blip r:embed="rId4" cstate="print">
+            <a:extLst>
+              <a:ext uri="{28A0092B-C50C-407E-A947-70E740481C1C}">
+                <a14:useLocalDpi xmlns:a14="http://schemas.microsoft.com/office/drawing/2010/main" val="0"/>
+              </a:ext>
+            </a:extLst>
+          </a:blip>
+          <a:srcRect/>
+          <a:stretch>
+            <a:fillRect/>
+          </a:stretch>
+        </p:blipFill>
+        <p:spPr bwMode="auto">
+          <a:xfrm>
+            <a:off x="3491880" y="1785047"/>
+            <a:ext cx="3204672" cy="3192125"/>
+          </a:xfrm>
+          <a:prstGeom prst="rect">
+            <a:avLst/>
+          </a:prstGeom>
+          <a:noFill/>
+          <a:ln>
+            <a:noFill/>
+          </a:ln>
+          <a:effectLst/>
+          <a:extLst>
+            <a:ext uri="{909E8E84-426E-40DD-AFC4-6F175D3DCCD1}">
+              <a14:hiddenFill xmlns:a14="http://schemas.microsoft.com/office/drawing/2010/main">
+                <a:solidFill>
+                  <a:schemeClr val="accent1"/>
+                </a:solidFill>
+              </a14:hiddenFill>
+            </a:ext>
+            <a:ext uri="{91240B29-F687-4F45-9708-019B960494DF}">
+              <a14:hiddenLine xmlns:a14="http://schemas.microsoft.com/office/drawing/2010/main" w="9525">
+                <a:solidFill>
+                  <a:schemeClr val="tx1"/>
+                </a:solidFill>
+                <a:miter lim="800000"/>
+                <a:headEnd/>
+                <a:tailEnd/>
+              </a14:hiddenLine>
+            </a:ext>
+            <a:ext uri="{AF507438-7753-43E0-B8FC-AC1667EBCBE1}">
+              <a14:hiddenEffects xmlns:a14="http://schemas.microsoft.com/office/drawing/2010/main">
+                <a:effectLst>
+                  <a:outerShdw dist="35921" dir="2700000" algn="ctr" rotWithShape="0">
+                    <a:schemeClr val="bg2"/>
+                  </a:outerShdw>
+                </a:effectLst>
+              </a14:hiddenEffects>
+            </a:ext>
+          </a:extLst>
+        </p:spPr>
+      </p:pic>
     </p:spTree>
     <p:extLst>
       <p:ext uri="{BB962C8B-B14F-4D97-AF65-F5344CB8AC3E}">
